--- a/606-12_РечукДМ_Презентация_тема_22.pptx
+++ b/606-12_РечукДМ_Презентация_тема_22.pptx
@@ -212,7 +212,7 @@
           <a:p>
             <a:fld id="{3A9A4F62-AF93-4AB2-87A4-806543946805}" type="datetimeFigureOut">
               <a:rPr lang="ru-RU" smtClean="0"/>
-              <a:t>28.11.2024</a:t>
+              <a:t>09.04.2025</a:t>
             </a:fld>
             <a:endParaRPr lang="ru-RU"/>
           </a:p>
@@ -1873,7 +1873,7 @@
           <a:p>
             <a:fld id="{BC5D6848-ABDF-46A2-A138-7AAAA3B24052}" type="datetime1">
               <a:rPr lang="ru-RU" smtClean="0"/>
-              <a:t>28.11.2024</a:t>
+              <a:t>09.04.2025</a:t>
             </a:fld>
             <a:endParaRPr lang="ru-RU"/>
           </a:p>
@@ -2041,7 +2041,7 @@
           <a:p>
             <a:fld id="{BBD77445-8A89-47FE-A078-F79D997EE2BF}" type="datetime1">
               <a:rPr lang="ru-RU" smtClean="0"/>
-              <a:t>28.11.2024</a:t>
+              <a:t>09.04.2025</a:t>
             </a:fld>
             <a:endParaRPr lang="ru-RU"/>
           </a:p>
@@ -2219,7 +2219,7 @@
           <a:p>
             <a:fld id="{F0A4CD70-05C6-4412-B7A5-628028153CBE}" type="datetime1">
               <a:rPr lang="ru-RU" smtClean="0"/>
-              <a:t>28.11.2024</a:t>
+              <a:t>09.04.2025</a:t>
             </a:fld>
             <a:endParaRPr lang="ru-RU"/>
           </a:p>
@@ -2387,7 +2387,7 @@
           <a:p>
             <a:fld id="{AD1860CB-B4DC-438E-B184-67FA2ABD475C}" type="datetime1">
               <a:rPr lang="ru-RU" smtClean="0"/>
-              <a:t>28.11.2024</a:t>
+              <a:t>09.04.2025</a:t>
             </a:fld>
             <a:endParaRPr lang="ru-RU"/>
           </a:p>
@@ -2632,7 +2632,7 @@
           <a:p>
             <a:fld id="{53C71281-C780-4284-AAAC-1F80D11664A7}" type="datetime1">
               <a:rPr lang="ru-RU" smtClean="0"/>
-              <a:t>28.11.2024</a:t>
+              <a:t>09.04.2025</a:t>
             </a:fld>
             <a:endParaRPr lang="ru-RU"/>
           </a:p>
@@ -2861,7 +2861,7 @@
           <a:p>
             <a:fld id="{C860320A-514E-4F8B-A05A-DC90D16B350A}" type="datetime1">
               <a:rPr lang="ru-RU" smtClean="0"/>
-              <a:t>28.11.2024</a:t>
+              <a:t>09.04.2025</a:t>
             </a:fld>
             <a:endParaRPr lang="ru-RU"/>
           </a:p>
@@ -3225,7 +3225,7 @@
           <a:p>
             <a:fld id="{33E5CD03-7592-42EF-A648-26BF2EFFF589}" type="datetime1">
               <a:rPr lang="ru-RU" smtClean="0"/>
-              <a:t>28.11.2024</a:t>
+              <a:t>09.04.2025</a:t>
             </a:fld>
             <a:endParaRPr lang="ru-RU"/>
           </a:p>
@@ -3342,7 +3342,7 @@
           <a:p>
             <a:fld id="{E885D3B1-5A24-46CC-9D39-6A31EDFBF46E}" type="datetime1">
               <a:rPr lang="ru-RU" smtClean="0"/>
-              <a:t>28.11.2024</a:t>
+              <a:t>09.04.2025</a:t>
             </a:fld>
             <a:endParaRPr lang="ru-RU"/>
           </a:p>
@@ -3437,7 +3437,7 @@
           <a:p>
             <a:fld id="{F5A0DD4C-F513-4834-92DC-4FA3BF3F9F54}" type="datetime1">
               <a:rPr lang="ru-RU" smtClean="0"/>
-              <a:t>28.11.2024</a:t>
+              <a:t>09.04.2025</a:t>
             </a:fld>
             <a:endParaRPr lang="ru-RU"/>
           </a:p>
@@ -3712,7 +3712,7 @@
           <a:p>
             <a:fld id="{C914A9F5-A305-4DC0-9D1C-D358B1878C97}" type="datetime1">
               <a:rPr lang="ru-RU" smtClean="0"/>
-              <a:t>28.11.2024</a:t>
+              <a:t>09.04.2025</a:t>
             </a:fld>
             <a:endParaRPr lang="ru-RU"/>
           </a:p>
@@ -3964,7 +3964,7 @@
           <a:p>
             <a:fld id="{6D707CDF-F2F6-47F0-B1C9-78EF4F12CF64}" type="datetime1">
               <a:rPr lang="ru-RU" smtClean="0"/>
-              <a:t>28.11.2024</a:t>
+              <a:t>09.04.2025</a:t>
             </a:fld>
             <a:endParaRPr lang="ru-RU"/>
           </a:p>
@@ -4175,7 +4175,7 @@
           <a:p>
             <a:fld id="{4B5A66F0-43A1-4456-9155-F6EB8356FB4E}" type="datetime1">
               <a:rPr lang="ru-RU" smtClean="0"/>
-              <a:t>28.11.2024</a:t>
+              <a:t>09.04.2025</a:t>
             </a:fld>
             <a:endParaRPr lang="ru-RU"/>
           </a:p>
@@ -7040,7 +7040,23 @@
                 <a:latin typeface="Times New Roman" panose="02020603050405020304" pitchFamily="18" charset="0"/>
                 <a:ea typeface="Times New Roman" panose="02020603050405020304" pitchFamily="18" charset="0"/>
               </a:rPr>
-              <a:t>. «Конспект Лекции». – URL: </a:t>
+              <a:t>. «Конспект Лекции». </a:t>
+            </a:r>
+            <a:r>
+              <a:rPr lang="ru-RU" sz="1800">
+                <a:effectLst/>
+                <a:latin typeface="Times New Roman" panose="02020603050405020304" pitchFamily="18" charset="0"/>
+                <a:ea typeface="Times New Roman" panose="02020603050405020304" pitchFamily="18" charset="0"/>
+              </a:rPr>
+              <a:t>- </a:t>
+            </a:r>
+            <a:r>
+              <a:rPr lang="ru-RU" sz="1800" dirty="0">
+                <a:effectLst/>
+                <a:latin typeface="Times New Roman" panose="02020603050405020304" pitchFamily="18" charset="0"/>
+                <a:ea typeface="Times New Roman" panose="02020603050405020304" pitchFamily="18" charset="0"/>
+              </a:rPr>
+              <a:t>URL: </a:t>
             </a:r>
             <a:r>
               <a:rPr lang="en-US" sz="1800" dirty="0">
